--- a/inst/app/www/TidyExample.pptx
+++ b/inst/app/www/TidyExample.pptx
@@ -2,12 +2,12 @@
 <file path=ppt/presentation.xml><?xml version="1.0" encoding="utf-8"?>
 <p:presentation xmlns:a="http://schemas.openxmlformats.org/drawingml/2006/main" xmlns:r="http://schemas.openxmlformats.org/officeDocument/2006/relationships" xmlns:p="http://schemas.openxmlformats.org/presentationml/2006/main" saveSubsetFonts="1">
   <p:sldMasterIdLst>
-    <p:sldMasterId id="2147483672" r:id="rId1"/>
+    <p:sldMasterId id="2147483696" r:id="rId1"/>
   </p:sldMasterIdLst>
   <p:sldIdLst>
     <p:sldId id="257" r:id="rId2"/>
   </p:sldIdLst>
-  <p:sldSz cx="12192000" cy="4572000"/>
+  <p:sldSz cx="6858000" cy="4572000"/>
   <p:notesSz cx="6858000" cy="9144000"/>
   <p:defaultTextStyle>
     <a:defPPr>
@@ -112,7 +112,7 @@
             <a:srgbClr val="A4A3A4"/>
           </p15:clr>
         </p15:guide>
-        <p15:guide id="2" pos="3840" userDrawn="1">
+        <p15:guide id="2" pos="2160" userDrawn="1">
           <p15:clr>
             <a:srgbClr val="A4A3A4"/>
           </p15:clr>
@@ -152,8 +152,8 @@
         </p:nvSpPr>
         <p:spPr>
           <a:xfrm>
-            <a:off x="1524000" y="748242"/>
-            <a:ext cx="9144000" cy="1591733"/>
+            <a:off x="514350" y="748242"/>
+            <a:ext cx="5829300" cy="1591733"/>
           </a:xfrm>
         </p:spPr>
         <p:txBody>
@@ -184,8 +184,8 @@
         </p:nvSpPr>
         <p:spPr>
           <a:xfrm>
-            <a:off x="1524000" y="2401361"/>
-            <a:ext cx="9144000" cy="1103841"/>
+            <a:off x="857250" y="2401361"/>
+            <a:ext cx="5143500" cy="1103841"/>
           </a:xfrm>
         </p:spPr>
         <p:txBody>
@@ -305,7 +305,7 @@
     </p:spTree>
     <p:extLst>
       <p:ext uri="{BB962C8B-B14F-4D97-AF65-F5344CB8AC3E}">
-        <p14:creationId xmlns:p14="http://schemas.microsoft.com/office/powerpoint/2010/main" val="2437390115"/>
+        <p14:creationId xmlns:p14="http://schemas.microsoft.com/office/powerpoint/2010/main" val="1929802656"/>
       </p:ext>
     </p:extLst>
   </p:cSld>
@@ -475,7 +475,7 @@
     </p:spTree>
     <p:extLst>
       <p:ext uri="{BB962C8B-B14F-4D97-AF65-F5344CB8AC3E}">
-        <p14:creationId xmlns:p14="http://schemas.microsoft.com/office/powerpoint/2010/main" val="3908029983"/>
+        <p14:creationId xmlns:p14="http://schemas.microsoft.com/office/powerpoint/2010/main" val="2385233132"/>
       </p:ext>
     </p:extLst>
   </p:cSld>
@@ -514,8 +514,8 @@
         </p:nvSpPr>
         <p:spPr>
           <a:xfrm>
-            <a:off x="8724900" y="243418"/>
-            <a:ext cx="2628900" cy="3874559"/>
+            <a:off x="4907757" y="243418"/>
+            <a:ext cx="1478756" cy="3874559"/>
           </a:xfrm>
         </p:spPr>
         <p:txBody>
@@ -542,8 +542,8 @@
         </p:nvSpPr>
         <p:spPr>
           <a:xfrm>
-            <a:off x="838200" y="243418"/>
-            <a:ext cx="7734300" cy="3874559"/>
+            <a:off x="471488" y="243418"/>
+            <a:ext cx="4350544" cy="3874559"/>
           </a:xfrm>
         </p:spPr>
         <p:txBody>
@@ -655,7 +655,7 @@
     </p:spTree>
     <p:extLst>
       <p:ext uri="{BB962C8B-B14F-4D97-AF65-F5344CB8AC3E}">
-        <p14:creationId xmlns:p14="http://schemas.microsoft.com/office/powerpoint/2010/main" val="3863315937"/>
+        <p14:creationId xmlns:p14="http://schemas.microsoft.com/office/powerpoint/2010/main" val="2362670537"/>
       </p:ext>
     </p:extLst>
   </p:cSld>
@@ -825,7 +825,7 @@
     </p:spTree>
     <p:extLst>
       <p:ext uri="{BB962C8B-B14F-4D97-AF65-F5344CB8AC3E}">
-        <p14:creationId xmlns:p14="http://schemas.microsoft.com/office/powerpoint/2010/main" val="19459534"/>
+        <p14:creationId xmlns:p14="http://schemas.microsoft.com/office/powerpoint/2010/main" val="2012105430"/>
       </p:ext>
     </p:extLst>
   </p:cSld>
@@ -864,8 +864,8 @@
         </p:nvSpPr>
         <p:spPr>
           <a:xfrm>
-            <a:off x="831850" y="1139827"/>
-            <a:ext cx="10515600" cy="1901826"/>
+            <a:off x="467918" y="1139826"/>
+            <a:ext cx="5915025" cy="1901825"/>
           </a:xfrm>
         </p:spPr>
         <p:txBody>
@@ -896,8 +896,8 @@
         </p:nvSpPr>
         <p:spPr>
           <a:xfrm>
-            <a:off x="831850" y="3059643"/>
-            <a:ext cx="10515600" cy="1000126"/>
+            <a:off x="467918" y="3059644"/>
+            <a:ext cx="5915025" cy="1000125"/>
           </a:xfrm>
         </p:spPr>
         <p:txBody>
@@ -907,9 +907,7 @@
               <a:buNone/>
               <a:defRPr sz="1600">
                 <a:solidFill>
-                  <a:schemeClr val="tx1">
-                    <a:tint val="75000"/>
-                  </a:schemeClr>
+                  <a:schemeClr val="tx1"/>
                 </a:solidFill>
               </a:defRPr>
             </a:lvl1pPr>
@@ -1071,7 +1069,7 @@
     </p:spTree>
     <p:extLst>
       <p:ext uri="{BB962C8B-B14F-4D97-AF65-F5344CB8AC3E}">
-        <p14:creationId xmlns:p14="http://schemas.microsoft.com/office/powerpoint/2010/main" val="2490630526"/>
+        <p14:creationId xmlns:p14="http://schemas.microsoft.com/office/powerpoint/2010/main" val="3263060089"/>
       </p:ext>
     </p:extLst>
   </p:cSld>
@@ -1133,8 +1131,8 @@
         </p:nvSpPr>
         <p:spPr>
           <a:xfrm>
-            <a:off x="838200" y="1217084"/>
-            <a:ext cx="5181600" cy="2900892"/>
+            <a:off x="471488" y="1217082"/>
+            <a:ext cx="2914650" cy="2900893"/>
           </a:xfrm>
         </p:spPr>
         <p:txBody>
@@ -1190,8 +1188,8 @@
         </p:nvSpPr>
         <p:spPr>
           <a:xfrm>
-            <a:off x="6172200" y="1217084"/>
-            <a:ext cx="5181600" cy="2900892"/>
+            <a:off x="3471863" y="1217082"/>
+            <a:ext cx="2914650" cy="2900893"/>
           </a:xfrm>
         </p:spPr>
         <p:txBody>
@@ -1303,7 +1301,7 @@
     </p:spTree>
     <p:extLst>
       <p:ext uri="{BB962C8B-B14F-4D97-AF65-F5344CB8AC3E}">
-        <p14:creationId xmlns:p14="http://schemas.microsoft.com/office/powerpoint/2010/main" val="3086432295"/>
+        <p14:creationId xmlns:p14="http://schemas.microsoft.com/office/powerpoint/2010/main" val="2560268074"/>
       </p:ext>
     </p:extLst>
   </p:cSld>
@@ -1342,8 +1340,8 @@
         </p:nvSpPr>
         <p:spPr>
           <a:xfrm>
-            <a:off x="839788" y="243418"/>
-            <a:ext cx="10515600" cy="883709"/>
+            <a:off x="472383" y="243419"/>
+            <a:ext cx="5915025" cy="883709"/>
           </a:xfrm>
         </p:spPr>
         <p:txBody>
@@ -1370,8 +1368,8 @@
         </p:nvSpPr>
         <p:spPr>
           <a:xfrm>
-            <a:off x="839791" y="1120775"/>
-            <a:ext cx="5157787" cy="549276"/>
+            <a:off x="472381" y="1120775"/>
+            <a:ext cx="2901255" cy="549275"/>
           </a:xfrm>
         </p:spPr>
         <p:txBody>
@@ -1435,8 +1433,8 @@
         </p:nvSpPr>
         <p:spPr>
           <a:xfrm>
-            <a:off x="839791" y="1670051"/>
-            <a:ext cx="5157787" cy="2456392"/>
+            <a:off x="472381" y="1670050"/>
+            <a:ext cx="2901255" cy="2456393"/>
           </a:xfrm>
         </p:spPr>
         <p:txBody>
@@ -1492,8 +1490,8 @@
         </p:nvSpPr>
         <p:spPr>
           <a:xfrm>
-            <a:off x="6172200" y="1120775"/>
-            <a:ext cx="5183188" cy="549276"/>
+            <a:off x="3471865" y="1120775"/>
+            <a:ext cx="2915543" cy="549275"/>
           </a:xfrm>
         </p:spPr>
         <p:txBody>
@@ -1557,8 +1555,8 @@
         </p:nvSpPr>
         <p:spPr>
           <a:xfrm>
-            <a:off x="6172200" y="1670051"/>
-            <a:ext cx="5183188" cy="2456392"/>
+            <a:off x="3471865" y="1670050"/>
+            <a:ext cx="2915543" cy="2456393"/>
           </a:xfrm>
         </p:spPr>
         <p:txBody>
@@ -1670,7 +1668,7 @@
     </p:spTree>
     <p:extLst>
       <p:ext uri="{BB962C8B-B14F-4D97-AF65-F5344CB8AC3E}">
-        <p14:creationId xmlns:p14="http://schemas.microsoft.com/office/powerpoint/2010/main" val="1760326233"/>
+        <p14:creationId xmlns:p14="http://schemas.microsoft.com/office/powerpoint/2010/main" val="572193892"/>
       </p:ext>
     </p:extLst>
   </p:cSld>
@@ -1788,7 +1786,7 @@
     </p:spTree>
     <p:extLst>
       <p:ext uri="{BB962C8B-B14F-4D97-AF65-F5344CB8AC3E}">
-        <p14:creationId xmlns:p14="http://schemas.microsoft.com/office/powerpoint/2010/main" val="1690322190"/>
+        <p14:creationId xmlns:p14="http://schemas.microsoft.com/office/powerpoint/2010/main" val="1868841151"/>
       </p:ext>
     </p:extLst>
   </p:cSld>
@@ -1883,7 +1881,7 @@
     </p:spTree>
     <p:extLst>
       <p:ext uri="{BB962C8B-B14F-4D97-AF65-F5344CB8AC3E}">
-        <p14:creationId xmlns:p14="http://schemas.microsoft.com/office/powerpoint/2010/main" val="1602279029"/>
+        <p14:creationId xmlns:p14="http://schemas.microsoft.com/office/powerpoint/2010/main" val="2382495606"/>
       </p:ext>
     </p:extLst>
   </p:cSld>
@@ -1922,8 +1920,8 @@
         </p:nvSpPr>
         <p:spPr>
           <a:xfrm>
-            <a:off x="839791" y="304800"/>
-            <a:ext cx="3932237" cy="1066800"/>
+            <a:off x="472381" y="304800"/>
+            <a:ext cx="2211884" cy="1066800"/>
           </a:xfrm>
         </p:spPr>
         <p:txBody>
@@ -1954,8 +1952,8 @@
         </p:nvSpPr>
         <p:spPr>
           <a:xfrm>
-            <a:off x="5183188" y="658285"/>
-            <a:ext cx="6172200" cy="3249083"/>
+            <a:off x="2915545" y="658286"/>
+            <a:ext cx="3471863" cy="3249083"/>
           </a:xfrm>
         </p:spPr>
         <p:txBody>
@@ -2039,8 +2037,8 @@
         </p:nvSpPr>
         <p:spPr>
           <a:xfrm>
-            <a:off x="839791" y="1371602"/>
-            <a:ext cx="3932237" cy="2541059"/>
+            <a:off x="472381" y="1371602"/>
+            <a:ext cx="2211884" cy="2541059"/>
           </a:xfrm>
         </p:spPr>
         <p:txBody>
@@ -2160,7 +2158,7 @@
     </p:spTree>
     <p:extLst>
       <p:ext uri="{BB962C8B-B14F-4D97-AF65-F5344CB8AC3E}">
-        <p14:creationId xmlns:p14="http://schemas.microsoft.com/office/powerpoint/2010/main" val="1620877419"/>
+        <p14:creationId xmlns:p14="http://schemas.microsoft.com/office/powerpoint/2010/main" val="1053597641"/>
       </p:ext>
     </p:extLst>
   </p:cSld>
@@ -2199,8 +2197,8 @@
         </p:nvSpPr>
         <p:spPr>
           <a:xfrm>
-            <a:off x="839791" y="304800"/>
-            <a:ext cx="3932237" cy="1066800"/>
+            <a:off x="472381" y="304800"/>
+            <a:ext cx="2211884" cy="1066800"/>
           </a:xfrm>
         </p:spPr>
         <p:txBody>
@@ -2231,8 +2229,8 @@
         </p:nvSpPr>
         <p:spPr>
           <a:xfrm>
-            <a:off x="5183188" y="658285"/>
-            <a:ext cx="6172200" cy="3249083"/>
+            <a:off x="2915545" y="658286"/>
+            <a:ext cx="3471863" cy="3249083"/>
           </a:xfrm>
         </p:spPr>
         <p:txBody>
@@ -2296,8 +2294,8 @@
         </p:nvSpPr>
         <p:spPr>
           <a:xfrm>
-            <a:off x="839791" y="1371602"/>
-            <a:ext cx="3932237" cy="2541059"/>
+            <a:off x="472381" y="1371602"/>
+            <a:ext cx="2211884" cy="2541059"/>
           </a:xfrm>
         </p:spPr>
         <p:txBody>
@@ -2417,7 +2415,7 @@
     </p:spTree>
     <p:extLst>
       <p:ext uri="{BB962C8B-B14F-4D97-AF65-F5344CB8AC3E}">
-        <p14:creationId xmlns:p14="http://schemas.microsoft.com/office/powerpoint/2010/main" val="2095505993"/>
+        <p14:creationId xmlns:p14="http://schemas.microsoft.com/office/powerpoint/2010/main" val="2960945824"/>
       </p:ext>
     </p:extLst>
   </p:cSld>
@@ -2461,8 +2459,8 @@
         </p:nvSpPr>
         <p:spPr>
           <a:xfrm>
-            <a:off x="838200" y="243418"/>
-            <a:ext cx="10515600" cy="883709"/>
+            <a:off x="471490" y="243419"/>
+            <a:ext cx="5915025" cy="883709"/>
           </a:xfrm>
           <a:prstGeom prst="rect">
             <a:avLst/>
@@ -2494,8 +2492,8 @@
         </p:nvSpPr>
         <p:spPr>
           <a:xfrm>
-            <a:off x="838200" y="1217084"/>
-            <a:ext cx="10515600" cy="2900892"/>
+            <a:off x="471490" y="1217082"/>
+            <a:ext cx="5915025" cy="2900893"/>
           </a:xfrm>
           <a:prstGeom prst="rect">
             <a:avLst/>
@@ -2556,8 +2554,8 @@
         </p:nvSpPr>
         <p:spPr>
           <a:xfrm>
-            <a:off x="838200" y="4237568"/>
-            <a:ext cx="2743200" cy="243417"/>
+            <a:off x="471488" y="4237569"/>
+            <a:ext cx="1543050" cy="243418"/>
           </a:xfrm>
           <a:prstGeom prst="rect">
             <a:avLst/>
@@ -2597,8 +2595,8 @@
         </p:nvSpPr>
         <p:spPr>
           <a:xfrm>
-            <a:off x="4038600" y="4237568"/>
-            <a:ext cx="4114800" cy="243417"/>
+            <a:off x="2271715" y="4237569"/>
+            <a:ext cx="2314575" cy="243418"/>
           </a:xfrm>
           <a:prstGeom prst="rect">
             <a:avLst/>
@@ -2634,8 +2632,8 @@
         </p:nvSpPr>
         <p:spPr>
           <a:xfrm>
-            <a:off x="8610600" y="4237568"/>
-            <a:ext cx="2743200" cy="243417"/>
+            <a:off x="4843463" y="4237569"/>
+            <a:ext cx="1543050" cy="243418"/>
           </a:xfrm>
           <a:prstGeom prst="rect">
             <a:avLst/>
@@ -2666,23 +2664,23 @@
     </p:spTree>
     <p:extLst>
       <p:ext uri="{BB962C8B-B14F-4D97-AF65-F5344CB8AC3E}">
-        <p14:creationId xmlns:p14="http://schemas.microsoft.com/office/powerpoint/2010/main" val="914843490"/>
+        <p14:creationId xmlns:p14="http://schemas.microsoft.com/office/powerpoint/2010/main" val="590974550"/>
       </p:ext>
     </p:extLst>
   </p:cSld>
   <p:clrMap bg1="lt1" tx1="dk1" bg2="lt2" tx2="dk2" accent1="accent1" accent2="accent2" accent3="accent3" accent4="accent4" accent5="accent5" accent6="accent6" hlink="hlink" folHlink="folHlink"/>
   <p:sldLayoutIdLst>
-    <p:sldLayoutId id="2147483673" r:id="rId1"/>
-    <p:sldLayoutId id="2147483674" r:id="rId2"/>
-    <p:sldLayoutId id="2147483675" r:id="rId3"/>
-    <p:sldLayoutId id="2147483676" r:id="rId4"/>
-    <p:sldLayoutId id="2147483677" r:id="rId5"/>
-    <p:sldLayoutId id="2147483678" r:id="rId6"/>
-    <p:sldLayoutId id="2147483679" r:id="rId7"/>
-    <p:sldLayoutId id="2147483680" r:id="rId8"/>
-    <p:sldLayoutId id="2147483681" r:id="rId9"/>
-    <p:sldLayoutId id="2147483682" r:id="rId10"/>
-    <p:sldLayoutId id="2147483683" r:id="rId11"/>
+    <p:sldLayoutId id="2147483697" r:id="rId1"/>
+    <p:sldLayoutId id="2147483698" r:id="rId2"/>
+    <p:sldLayoutId id="2147483699" r:id="rId3"/>
+    <p:sldLayoutId id="2147483700" r:id="rId4"/>
+    <p:sldLayoutId id="2147483701" r:id="rId5"/>
+    <p:sldLayoutId id="2147483702" r:id="rId6"/>
+    <p:sldLayoutId id="2147483703" r:id="rId7"/>
+    <p:sldLayoutId id="2147483704" r:id="rId8"/>
+    <p:sldLayoutId id="2147483705" r:id="rId9"/>
+    <p:sldLayoutId id="2147483706" r:id="rId10"/>
+    <p:sldLayoutId id="2147483707" r:id="rId11"/>
   </p:sldLayoutIdLst>
   <p:txStyles>
     <p:titleStyle>
@@ -2998,28 +2996,30 @@
           </p:cNvPicPr>
           <p:nvPr/>
         </p:nvPicPr>
-        <p:blipFill>
+        <p:blipFill rotWithShape="1">
           <a:blip r:embed="rId2">
             <a:extLst>
               <a:ext uri="{BEBA8EAE-BF5A-486C-A8C5-ECC9F3942E4B}">
                 <a14:imgProps xmlns:a14="http://schemas.microsoft.com/office/drawing/2010/main">
                   <a14:imgLayer r:embed="rId3">
                     <a14:imgEffect>
-                      <a14:saturation sat="400000"/>
+                      <a14:sharpenSoften amount="50000"/>
                     </a14:imgEffect>
                   </a14:imgLayer>
                 </a14:imgProps>
               </a:ext>
+              <a:ext uri="{28A0092B-C50C-407E-A947-70E740481C1C}">
+                <a14:useLocalDpi xmlns:a14="http://schemas.microsoft.com/office/drawing/2010/main" val="0"/>
+              </a:ext>
             </a:extLst>
           </a:blip>
-          <a:stretch>
-            <a:fillRect/>
-          </a:stretch>
+          <a:srcRect b="7817"/>
+          <a:stretch/>
         </p:blipFill>
         <p:spPr>
           <a:xfrm>
-            <a:off x="190502" y="1306131"/>
-            <a:ext cx="5308600" cy="673100"/>
+            <a:off x="8702" y="-14400"/>
+            <a:ext cx="4433807" cy="1334283"/>
           </a:xfrm>
           <a:prstGeom prst="rect">
             <a:avLst/>
@@ -3059,8 +3059,8 @@
         </p:blipFill>
         <p:spPr>
           <a:xfrm>
-            <a:off x="177624" y="2106410"/>
-            <a:ext cx="5803902" cy="2286000"/>
+            <a:off x="8702" y="1470587"/>
+            <a:ext cx="3992412" cy="1572505"/>
           </a:xfrm>
           <a:prstGeom prst="rect">
             <a:avLst/>
@@ -3100,8 +3100,8 @@
         </p:blipFill>
         <p:spPr>
           <a:xfrm>
-            <a:off x="6197600" y="2068131"/>
-            <a:ext cx="5803901" cy="2286000"/>
+            <a:off x="43693" y="3003237"/>
+            <a:ext cx="3992410" cy="1572504"/>
           </a:xfrm>
           <a:prstGeom prst="rect">
             <a:avLst/>
@@ -3123,14 +3123,14 @@
           <p:nvPr>
             <p:extLst>
               <p:ext uri="{D42A27DB-BD31-4B8C-83A1-F6EECF244321}">
-                <p14:modId xmlns:p14="http://schemas.microsoft.com/office/powerpoint/2010/main" val="2453289355"/>
+                <p14:modId xmlns:p14="http://schemas.microsoft.com/office/powerpoint/2010/main" val="3164420480"/>
               </p:ext>
             </p:extLst>
           </p:nvPr>
         </p:nvGraphicFramePr>
         <p:xfrm>
-          <a:off x="177623" y="244903"/>
-          <a:ext cx="5905500" cy="1097280"/>
+          <a:off x="4036103" y="776683"/>
+          <a:ext cx="2777285" cy="681966"/>
         </p:xfrm>
         <a:graphic>
           <a:graphicData uri="http://schemas.openxmlformats.org/drawingml/2006/table">
@@ -3139,35 +3139,35 @@
                 <a:tableStyleId>{5C22544A-7EE6-4342-B048-85BDC9FD1C3A}</a:tableStyleId>
               </a:tblPr>
               <a:tblGrid>
-                <a:gridCol w="1181100">
+                <a:gridCol w="555457">
                   <a:extLst>
                     <a:ext uri="{9D8B030D-6E8A-4147-A177-3AD203B41FA5}">
                       <a16:colId xmlns:a16="http://schemas.microsoft.com/office/drawing/2014/main" val="41847412"/>
                     </a:ext>
                   </a:extLst>
                 </a:gridCol>
-                <a:gridCol w="1181100">
+                <a:gridCol w="555457">
                   <a:extLst>
                     <a:ext uri="{9D8B030D-6E8A-4147-A177-3AD203B41FA5}">
                       <a16:colId xmlns:a16="http://schemas.microsoft.com/office/drawing/2014/main" val="268272873"/>
                     </a:ext>
                   </a:extLst>
                 </a:gridCol>
-                <a:gridCol w="1181100">
+                <a:gridCol w="555457">
                   <a:extLst>
                     <a:ext uri="{9D8B030D-6E8A-4147-A177-3AD203B41FA5}">
                       <a16:colId xmlns:a16="http://schemas.microsoft.com/office/drawing/2014/main" val="673352202"/>
                     </a:ext>
                   </a:extLst>
                 </a:gridCol>
-                <a:gridCol w="1181100">
+                <a:gridCol w="555457">
                   <a:extLst>
                     <a:ext uri="{9D8B030D-6E8A-4147-A177-3AD203B41FA5}">
                       <a16:colId xmlns:a16="http://schemas.microsoft.com/office/drawing/2014/main" val="2518408914"/>
                     </a:ext>
                   </a:extLst>
                 </a:gridCol>
-                <a:gridCol w="1181100">
+                <a:gridCol w="555457">
                   <a:extLst>
                     <a:ext uri="{9D8B030D-6E8A-4147-A177-3AD203B41FA5}">
                       <a16:colId xmlns:a16="http://schemas.microsoft.com/office/drawing/2014/main" val="1562925081"/>
@@ -3175,7 +3175,7 @@
                   </a:extLst>
                 </a:gridCol>
               </a:tblGrid>
-              <a:tr h="365760">
+              <a:tr h="208297">
                 <a:tc>
                   <a:txBody>
                     <a:bodyPr/>
@@ -3183,21 +3183,21 @@
                     <a:p>
                       <a:pPr algn="ctr"/>
                       <a:r>
-                        <a:rPr lang="en-US" sz="1800" dirty="0" err="1">
+                        <a:rPr lang="en-US" sz="1200" dirty="0" err="1">
                           <a:solidFill>
                             <a:schemeClr val="tx1"/>
                           </a:solidFill>
                         </a:rPr>
                         <a:t>TreeID</a:t>
                       </a:r>
-                      <a:endParaRPr lang="en-US" sz="1800" dirty="0">
+                      <a:endParaRPr lang="en-US" sz="1200" dirty="0">
                         <a:solidFill>
                           <a:schemeClr val="tx1"/>
                         </a:solidFill>
                       </a:endParaRPr>
                     </a:p>
                   </a:txBody>
-                  <a:tcPr>
+                  <a:tcPr marL="44439" marR="44439" marT="22221" marB="22221" anchor="ctr">
                     <a:lnL w="12700" cap="flat" cmpd="sng" algn="ctr">
                       <a:solidFill>
                         <a:schemeClr val="tx1"/>
@@ -3246,7 +3246,7 @@
                     <a:p>
                       <a:pPr algn="ctr"/>
                       <a:r>
-                        <a:rPr lang="en-US" sz="1800" dirty="0">
+                        <a:rPr lang="en-US" sz="1200" dirty="0">
                           <a:solidFill>
                             <a:schemeClr val="tx1"/>
                           </a:solidFill>
@@ -3255,7 +3255,7 @@
                       </a:r>
                     </a:p>
                   </a:txBody>
-                  <a:tcPr>
+                  <a:tcPr marL="44439" marR="44439" marT="22221" marB="22221" anchor="ctr">
                     <a:lnL w="12700" cap="flat" cmpd="sng" algn="ctr">
                       <a:solidFill>
                         <a:schemeClr val="tx1"/>
@@ -3304,7 +3304,7 @@
                     <a:p>
                       <a:pPr algn="ctr"/>
                       <a:r>
-                        <a:rPr lang="en-US" sz="1800" dirty="0">
+                        <a:rPr lang="en-US" sz="1200" dirty="0">
                           <a:solidFill>
                             <a:schemeClr val="tx1"/>
                           </a:solidFill>
@@ -3313,7 +3313,7 @@
                       </a:r>
                     </a:p>
                   </a:txBody>
-                  <a:tcPr>
+                  <a:tcPr marL="44439" marR="44439" marT="22221" marB="22221" anchor="ctr">
                     <a:lnL w="12700" cap="flat" cmpd="sng" algn="ctr">
                       <a:solidFill>
                         <a:schemeClr val="tx1"/>
@@ -3362,7 +3362,7 @@
                     <a:p>
                       <a:pPr algn="ctr"/>
                       <a:r>
-                        <a:rPr lang="en-US" sz="1800" dirty="0">
+                        <a:rPr lang="en-US" sz="1200" dirty="0">
                           <a:solidFill>
                             <a:schemeClr val="tx1"/>
                           </a:solidFill>
@@ -3371,7 +3371,7 @@
                       </a:r>
                     </a:p>
                   </a:txBody>
-                  <a:tcPr>
+                  <a:tcPr marL="44439" marR="44439" marT="22221" marB="22221" anchor="ctr">
                     <a:lnL w="12700" cap="flat" cmpd="sng" algn="ctr">
                       <a:solidFill>
                         <a:schemeClr val="tx1"/>
@@ -3420,7 +3420,7 @@
                     <a:p>
                       <a:pPr algn="ctr"/>
                       <a:r>
-                        <a:rPr lang="en-US" sz="1800" dirty="0">
+                        <a:rPr lang="en-US" sz="1200" dirty="0">
                           <a:solidFill>
                             <a:schemeClr val="tx1"/>
                           </a:solidFill>
@@ -3429,7 +3429,7 @@
                       </a:r>
                     </a:p>
                   </a:txBody>
-                  <a:tcPr>
+                  <a:tcPr marL="44439" marR="44439" marT="22221" marB="22221" anchor="ctr">
                     <a:lnL w="12700" cap="flat" cmpd="sng" algn="ctr">
                       <a:solidFill>
                         <a:schemeClr val="tx1"/>
@@ -3477,7 +3477,7 @@
                   </a:ext>
                 </a:extLst>
               </a:tr>
-              <a:tr h="365760">
+              <a:tr h="208297">
                 <a:tc>
                   <a:txBody>
                     <a:bodyPr/>
@@ -3485,12 +3485,12 @@
                     <a:p>
                       <a:pPr algn="ctr"/>
                       <a:r>
-                        <a:rPr lang="en-US" sz="1800" dirty="0"/>
+                        <a:rPr lang="en-US" sz="1200" dirty="0"/>
                         <a:t>A</a:t>
                       </a:r>
                     </a:p>
                   </a:txBody>
-                  <a:tcPr>
+                  <a:tcPr marL="44439" marR="44439" marT="22221" marB="22221" anchor="ctr">
                     <a:lnL w="12700" cap="flat" cmpd="sng" algn="ctr">
                       <a:solidFill>
                         <a:schemeClr val="tx1"/>
@@ -3542,12 +3542,12 @@
                     <a:p>
                       <a:pPr algn="ctr"/>
                       <a:r>
-                        <a:rPr lang="en-US" sz="1800" dirty="0"/>
+                        <a:rPr lang="en-US" sz="1200" dirty="0"/>
                         <a:t>10.2</a:t>
                       </a:r>
                     </a:p>
                   </a:txBody>
-                  <a:tcPr>
+                  <a:tcPr marL="44439" marR="44439" marT="22221" marB="22221" anchor="ctr">
                     <a:lnL w="12700" cap="flat" cmpd="sng" algn="ctr">
                       <a:solidFill>
                         <a:schemeClr val="tx1"/>
@@ -3599,12 +3599,12 @@
                     <a:p>
                       <a:pPr algn="ctr"/>
                       <a:r>
-                        <a:rPr lang="en-US" sz="1800" dirty="0"/>
+                        <a:rPr lang="en-US" sz="1200" dirty="0"/>
                         <a:t>10.9</a:t>
                       </a:r>
                     </a:p>
                   </a:txBody>
-                  <a:tcPr>
+                  <a:tcPr marL="44439" marR="44439" marT="22221" marB="22221" anchor="ctr">
                     <a:lnL w="12700" cap="flat" cmpd="sng" algn="ctr">
                       <a:solidFill>
                         <a:schemeClr val="tx1"/>
@@ -3656,12 +3656,12 @@
                     <a:p>
                       <a:pPr algn="ctr"/>
                       <a:r>
-                        <a:rPr lang="en-US" sz="1800" dirty="0"/>
+                        <a:rPr lang="en-US" sz="1200" dirty="0"/>
                         <a:t>2015</a:t>
                       </a:r>
                     </a:p>
                   </a:txBody>
-                  <a:tcPr>
+                  <a:tcPr marL="44439" marR="44439" marT="22221" marB="22221" anchor="ctr">
                     <a:lnL w="12700" cap="flat" cmpd="sng" algn="ctr">
                       <a:solidFill>
                         <a:schemeClr val="tx1"/>
@@ -3713,12 +3713,12 @@
                     <a:p>
                       <a:pPr algn="ctr"/>
                       <a:r>
-                        <a:rPr lang="en-US" sz="1800" dirty="0"/>
+                        <a:rPr lang="en-US" sz="1200" dirty="0"/>
                         <a:t>2020</a:t>
                       </a:r>
                     </a:p>
                   </a:txBody>
-                  <a:tcPr>
+                  <a:tcPr marL="44439" marR="44439" marT="22221" marB="22221" anchor="ctr">
                     <a:lnL w="12700" cap="flat" cmpd="sng" algn="ctr">
                       <a:solidFill>
                         <a:schemeClr val="tx1"/>
@@ -3766,7 +3766,7 @@
                   </a:ext>
                 </a:extLst>
               </a:tr>
-              <a:tr h="365760">
+              <a:tr h="208297">
                 <a:tc>
                   <a:txBody>
                     <a:bodyPr/>
@@ -3774,12 +3774,12 @@
                     <a:p>
                       <a:pPr algn="ctr"/>
                       <a:r>
-                        <a:rPr lang="en-US" sz="1800" dirty="0"/>
+                        <a:rPr lang="en-US" sz="1200" dirty="0"/>
                         <a:t>B</a:t>
                       </a:r>
                     </a:p>
                   </a:txBody>
-                  <a:tcPr>
+                  <a:tcPr marL="44439" marR="44439" marT="22221" marB="22221" anchor="ctr">
                     <a:lnL w="12700" cap="flat" cmpd="sng" algn="ctr">
                       <a:solidFill>
                         <a:schemeClr val="tx1"/>
@@ -3831,12 +3831,12 @@
                     <a:p>
                       <a:pPr algn="ctr"/>
                       <a:r>
-                        <a:rPr lang="en-US" sz="1800" dirty="0"/>
+                        <a:rPr lang="en-US" sz="1200" dirty="0"/>
                         <a:t>15.3</a:t>
                       </a:r>
                     </a:p>
                   </a:txBody>
-                  <a:tcPr>
+                  <a:tcPr marL="44439" marR="44439" marT="22221" marB="22221" anchor="ctr">
                     <a:lnL w="12700" cap="flat" cmpd="sng" algn="ctr">
                       <a:solidFill>
                         <a:schemeClr val="tx1"/>
@@ -3888,12 +3888,12 @@
                     <a:p>
                       <a:pPr algn="ctr"/>
                       <a:r>
-                        <a:rPr lang="en-US" sz="1800" dirty="0"/>
+                        <a:rPr lang="en-US" sz="1200" dirty="0"/>
                         <a:t>15.5</a:t>
                       </a:r>
                     </a:p>
                   </a:txBody>
-                  <a:tcPr>
+                  <a:tcPr marL="44439" marR="44439" marT="22221" marB="22221" anchor="ctr">
                     <a:lnL w="12700" cap="flat" cmpd="sng" algn="ctr">
                       <a:solidFill>
                         <a:schemeClr val="tx1"/>
@@ -3945,12 +3945,12 @@
                     <a:p>
                       <a:pPr algn="ctr"/>
                       <a:r>
-                        <a:rPr lang="en-US" sz="1800" dirty="0"/>
+                        <a:rPr lang="en-US" sz="1200" dirty="0"/>
                         <a:t>2016</a:t>
                       </a:r>
                     </a:p>
                   </a:txBody>
-                  <a:tcPr>
+                  <a:tcPr marL="44439" marR="44439" marT="22221" marB="22221" anchor="ctr">
                     <a:lnL w="12700" cap="flat" cmpd="sng" algn="ctr">
                       <a:solidFill>
                         <a:schemeClr val="tx1"/>
@@ -4002,12 +4002,12 @@
                     <a:p>
                       <a:pPr algn="ctr"/>
                       <a:r>
-                        <a:rPr lang="en-US" sz="1800" dirty="0"/>
+                        <a:rPr lang="en-US" sz="1200" dirty="0"/>
                         <a:t>2021</a:t>
                       </a:r>
                     </a:p>
                   </a:txBody>
-                  <a:tcPr>
+                  <a:tcPr marL="44439" marR="44439" marT="22221" marB="22221" anchor="ctr">
                     <a:lnL w="12700" cap="flat" cmpd="sng" algn="ctr">
                       <a:solidFill>
                         <a:schemeClr val="tx1"/>
@@ -4074,14 +4074,14 @@
           <p:nvPr>
             <p:extLst>
               <p:ext uri="{D42A27DB-BD31-4B8C-83A1-F6EECF244321}">
-                <p14:modId xmlns:p14="http://schemas.microsoft.com/office/powerpoint/2010/main" val="1502643306"/>
+                <p14:modId xmlns:p14="http://schemas.microsoft.com/office/powerpoint/2010/main" val="734368087"/>
               </p:ext>
             </p:extLst>
           </p:nvPr>
         </p:nvGraphicFramePr>
         <p:xfrm>
-          <a:off x="6792734" y="244903"/>
-          <a:ext cx="4546600" cy="1828800"/>
+          <a:off x="4064471" y="2130927"/>
+          <a:ext cx="2749836" cy="1334283"/>
         </p:xfrm>
         <a:graphic>
           <a:graphicData uri="http://schemas.openxmlformats.org/drawingml/2006/table">
@@ -4090,28 +4090,28 @@
                 <a:tableStyleId>{5C22544A-7EE6-4342-B048-85BDC9FD1C3A}</a:tableStyleId>
               </a:tblPr>
               <a:tblGrid>
-                <a:gridCol w="1136650">
+                <a:gridCol w="687459">
                   <a:extLst>
                     <a:ext uri="{9D8B030D-6E8A-4147-A177-3AD203B41FA5}">
                       <a16:colId xmlns:a16="http://schemas.microsoft.com/office/drawing/2014/main" val="685665667"/>
                     </a:ext>
                   </a:extLst>
                 </a:gridCol>
-                <a:gridCol w="1136650">
+                <a:gridCol w="687459">
                   <a:extLst>
                     <a:ext uri="{9D8B030D-6E8A-4147-A177-3AD203B41FA5}">
                       <a16:colId xmlns:a16="http://schemas.microsoft.com/office/drawing/2014/main" val="1778542277"/>
                     </a:ext>
                   </a:extLst>
                 </a:gridCol>
-                <a:gridCol w="1136650">
+                <a:gridCol w="687459">
                   <a:extLst>
                     <a:ext uri="{9D8B030D-6E8A-4147-A177-3AD203B41FA5}">
                       <a16:colId xmlns:a16="http://schemas.microsoft.com/office/drawing/2014/main" val="2457107629"/>
                     </a:ext>
                   </a:extLst>
                 </a:gridCol>
-                <a:gridCol w="1136650">
+                <a:gridCol w="687459">
                   <a:extLst>
                     <a:ext uri="{9D8B030D-6E8A-4147-A177-3AD203B41FA5}">
                       <a16:colId xmlns:a16="http://schemas.microsoft.com/office/drawing/2014/main" val="2076319240"/>
@@ -4119,7 +4119,7 @@
                   </a:extLst>
                 </a:gridCol>
               </a:tblGrid>
-              <a:tr h="365760">
+              <a:tr h="397019">
                 <a:tc>
                   <a:txBody>
                     <a:bodyPr/>
@@ -4127,21 +4127,21 @@
                     <a:p>
                       <a:pPr algn="ctr"/>
                       <a:r>
-                        <a:rPr lang="en-US" sz="1800" dirty="0" err="1">
+                        <a:rPr lang="en-US" sz="1200" dirty="0" err="1">
                           <a:solidFill>
                             <a:schemeClr val="tx1"/>
                           </a:solidFill>
                         </a:rPr>
                         <a:t>TreeID</a:t>
                       </a:r>
-                      <a:endParaRPr lang="en-US" sz="1800" dirty="0">
+                      <a:endParaRPr lang="en-US" sz="1200" dirty="0">
                         <a:solidFill>
                           <a:schemeClr val="tx1"/>
                         </a:solidFill>
                       </a:endParaRPr>
                     </a:p>
                   </a:txBody>
-                  <a:tcPr>
+                  <a:tcPr marL="51436" marR="51436" marT="25718" marB="25718" anchor="ctr">
                     <a:lnL w="12700" cap="flat" cmpd="sng" algn="ctr">
                       <a:solidFill>
                         <a:schemeClr val="tx1"/>
@@ -4190,21 +4190,21 @@
                     <a:p>
                       <a:pPr algn="ctr"/>
                       <a:r>
-                        <a:rPr lang="en-US" sz="1800" dirty="0" err="1">
+                        <a:rPr lang="en-US" sz="1200" dirty="0" err="1">
                           <a:solidFill>
                             <a:schemeClr val="tx1"/>
                           </a:solidFill>
                         </a:rPr>
                         <a:t>CensusID</a:t>
                       </a:r>
-                      <a:endParaRPr lang="en-US" sz="1800" dirty="0">
+                      <a:endParaRPr lang="en-US" sz="1200" dirty="0">
                         <a:solidFill>
                           <a:schemeClr val="tx1"/>
                         </a:solidFill>
                       </a:endParaRPr>
                     </a:p>
                   </a:txBody>
-                  <a:tcPr>
+                  <a:tcPr marL="51436" marR="51436" marT="25718" marB="25718" anchor="ctr">
                     <a:lnL w="12700" cap="flat" cmpd="sng" algn="ctr">
                       <a:solidFill>
                         <a:schemeClr val="tx1"/>
@@ -4253,7 +4253,7 @@
                     <a:p>
                       <a:pPr algn="ctr"/>
                       <a:r>
-                        <a:rPr lang="en-US" sz="1800" dirty="0">
+                        <a:rPr lang="en-US" sz="1200" dirty="0">
                           <a:solidFill>
                             <a:schemeClr val="tx1"/>
                           </a:solidFill>
@@ -4262,7 +4262,7 @@
                       </a:r>
                     </a:p>
                   </a:txBody>
-                  <a:tcPr>
+                  <a:tcPr marL="51436" marR="51436" marT="25718" marB="25718" anchor="ctr">
                     <a:lnL w="12700" cap="flat" cmpd="sng" algn="ctr">
                       <a:solidFill>
                         <a:schemeClr val="tx1"/>
@@ -4311,21 +4311,21 @@
                     <a:p>
                       <a:pPr algn="ctr"/>
                       <a:r>
-                        <a:rPr lang="en-US" sz="1800" dirty="0" err="1">
+                        <a:rPr lang="en-US" sz="1200" dirty="0" err="1">
                           <a:solidFill>
                             <a:schemeClr val="tx1"/>
                           </a:solidFill>
                         </a:rPr>
                         <a:t>dbh</a:t>
                       </a:r>
-                      <a:endParaRPr lang="en-US" sz="1800" dirty="0">
+                      <a:endParaRPr lang="en-US" sz="1200" dirty="0">
                         <a:solidFill>
                           <a:schemeClr val="tx1"/>
                         </a:solidFill>
                       </a:endParaRPr>
                     </a:p>
                   </a:txBody>
-                  <a:tcPr>
+                  <a:tcPr marL="51436" marR="51436" marT="25718" marB="25718" anchor="ctr">
                     <a:lnL w="12700" cap="flat" cmpd="sng" algn="ctr">
                       <a:solidFill>
                         <a:schemeClr val="tx1"/>
@@ -4373,7 +4373,7 @@
                   </a:ext>
                 </a:extLst>
               </a:tr>
-              <a:tr h="365760">
+              <a:tr h="222214">
                 <a:tc>
                   <a:txBody>
                     <a:bodyPr/>
@@ -4381,12 +4381,12 @@
                     <a:p>
                       <a:pPr algn="ctr"/>
                       <a:r>
-                        <a:rPr lang="en-US" sz="1800" dirty="0"/>
+                        <a:rPr lang="en-US" sz="1200" dirty="0"/>
                         <a:t>A</a:t>
                       </a:r>
                     </a:p>
                   </a:txBody>
-                  <a:tcPr>
+                  <a:tcPr marL="51436" marR="51436" marT="25718" marB="25718" anchor="ctr">
                     <a:lnL w="12700" cap="flat" cmpd="sng" algn="ctr">
                       <a:solidFill>
                         <a:schemeClr val="tx1"/>
@@ -4438,12 +4438,12 @@
                     <a:p>
                       <a:pPr algn="ctr"/>
                       <a:r>
-                        <a:rPr lang="en-US" sz="1800" dirty="0"/>
+                        <a:rPr lang="en-US" sz="1200" dirty="0"/>
                         <a:t>1</a:t>
                       </a:r>
                     </a:p>
                   </a:txBody>
-                  <a:tcPr>
+                  <a:tcPr marL="51436" marR="51436" marT="25718" marB="25718" anchor="ctr">
                     <a:lnL w="12700" cap="flat" cmpd="sng" algn="ctr">
                       <a:solidFill>
                         <a:schemeClr val="tx1"/>
@@ -4495,12 +4495,12 @@
                     <a:p>
                       <a:pPr algn="ctr"/>
                       <a:r>
-                        <a:rPr lang="en-US" sz="1800" dirty="0"/>
+                        <a:rPr lang="en-US" sz="1200" dirty="0"/>
                         <a:t>2015</a:t>
                       </a:r>
                     </a:p>
                   </a:txBody>
-                  <a:tcPr>
+                  <a:tcPr marL="51436" marR="51436" marT="25718" marB="25718" anchor="ctr">
                     <a:lnL w="12700" cap="flat" cmpd="sng" algn="ctr">
                       <a:solidFill>
                         <a:schemeClr val="tx1"/>
@@ -4552,12 +4552,12 @@
                     <a:p>
                       <a:pPr algn="ctr"/>
                       <a:r>
-                        <a:rPr lang="en-US" sz="1800" dirty="0"/>
+                        <a:rPr lang="en-US" sz="1200" dirty="0"/>
                         <a:t>10.2</a:t>
                       </a:r>
                     </a:p>
                   </a:txBody>
-                  <a:tcPr>
+                  <a:tcPr marL="51436" marR="51436" marT="25718" marB="25718" anchor="ctr">
                     <a:lnL w="12700" cap="flat" cmpd="sng" algn="ctr">
                       <a:solidFill>
                         <a:schemeClr val="tx1"/>
@@ -4608,7 +4608,7 @@
                   </a:ext>
                 </a:extLst>
               </a:tr>
-              <a:tr h="365760">
+              <a:tr h="222214">
                 <a:tc>
                   <a:txBody>
                     <a:bodyPr/>
@@ -4616,12 +4616,12 @@
                     <a:p>
                       <a:pPr algn="ctr"/>
                       <a:r>
-                        <a:rPr lang="en-US" sz="1800" dirty="0"/>
+                        <a:rPr lang="en-US" sz="1200" dirty="0"/>
                         <a:t>A</a:t>
                       </a:r>
                     </a:p>
                   </a:txBody>
-                  <a:tcPr>
+                  <a:tcPr marL="51436" marR="51436" marT="25718" marB="25718" anchor="ctr">
                     <a:lnL w="12700" cap="flat" cmpd="sng" algn="ctr">
                       <a:solidFill>
                         <a:schemeClr val="tx1"/>
@@ -4673,12 +4673,12 @@
                     <a:p>
                       <a:pPr algn="ctr"/>
                       <a:r>
-                        <a:rPr lang="en-US" sz="1800" dirty="0"/>
+                        <a:rPr lang="en-US" sz="1200" dirty="0"/>
                         <a:t>2</a:t>
                       </a:r>
                     </a:p>
                   </a:txBody>
-                  <a:tcPr>
+                  <a:tcPr marL="51436" marR="51436" marT="25718" marB="25718" anchor="ctr">
                     <a:lnL w="12700" cap="flat" cmpd="sng" algn="ctr">
                       <a:solidFill>
                         <a:schemeClr val="tx1"/>
@@ -4730,12 +4730,12 @@
                     <a:p>
                       <a:pPr algn="ctr"/>
                       <a:r>
-                        <a:rPr lang="en-US" sz="1800" dirty="0"/>
+                        <a:rPr lang="en-US" sz="1200" dirty="0"/>
                         <a:t>2020</a:t>
                       </a:r>
                     </a:p>
                   </a:txBody>
-                  <a:tcPr>
+                  <a:tcPr marL="51436" marR="51436" marT="25718" marB="25718" anchor="ctr">
                     <a:lnL w="12700" cap="flat" cmpd="sng" algn="ctr">
                       <a:solidFill>
                         <a:schemeClr val="tx1"/>
@@ -4787,12 +4787,12 @@
                     <a:p>
                       <a:pPr algn="ctr"/>
                       <a:r>
-                        <a:rPr lang="en-US" sz="1800" dirty="0"/>
+                        <a:rPr lang="en-US" sz="1200" dirty="0"/>
                         <a:t>10.9</a:t>
                       </a:r>
                     </a:p>
                   </a:txBody>
-                  <a:tcPr>
+                  <a:tcPr marL="51436" marR="51436" marT="25718" marB="25718" anchor="ctr">
                     <a:lnL w="12700" cap="flat" cmpd="sng" algn="ctr">
                       <a:solidFill>
                         <a:schemeClr val="tx1"/>
@@ -4843,7 +4843,7 @@
                   </a:ext>
                 </a:extLst>
               </a:tr>
-              <a:tr h="365760">
+              <a:tr h="222214">
                 <a:tc>
                   <a:txBody>
                     <a:bodyPr/>
@@ -4851,12 +4851,12 @@
                     <a:p>
                       <a:pPr algn="ctr"/>
                       <a:r>
-                        <a:rPr lang="en-US" sz="1800" dirty="0"/>
+                        <a:rPr lang="en-US" sz="1200" dirty="0"/>
                         <a:t>B</a:t>
                       </a:r>
                     </a:p>
                   </a:txBody>
-                  <a:tcPr>
+                  <a:tcPr marL="51436" marR="51436" marT="25718" marB="25718" anchor="ctr">
                     <a:lnL w="12700" cap="flat" cmpd="sng" algn="ctr">
                       <a:solidFill>
                         <a:schemeClr val="tx1"/>
@@ -4908,12 +4908,12 @@
                     <a:p>
                       <a:pPr algn="ctr"/>
                       <a:r>
-                        <a:rPr lang="en-US" sz="1800" dirty="0"/>
+                        <a:rPr lang="en-US" sz="1200" dirty="0"/>
                         <a:t>1</a:t>
                       </a:r>
                     </a:p>
                   </a:txBody>
-                  <a:tcPr>
+                  <a:tcPr marL="51436" marR="51436" marT="25718" marB="25718" anchor="ctr">
                     <a:lnL w="12700" cap="flat" cmpd="sng" algn="ctr">
                       <a:solidFill>
                         <a:schemeClr val="tx1"/>
@@ -4965,12 +4965,12 @@
                     <a:p>
                       <a:pPr algn="ctr"/>
                       <a:r>
-                        <a:rPr lang="en-US" sz="1800" dirty="0"/>
+                        <a:rPr lang="en-US" sz="1200" dirty="0"/>
                         <a:t>2016</a:t>
                       </a:r>
                     </a:p>
                   </a:txBody>
-                  <a:tcPr>
+                  <a:tcPr marL="51436" marR="51436" marT="25718" marB="25718" anchor="ctr">
                     <a:lnL w="12700" cap="flat" cmpd="sng" algn="ctr">
                       <a:solidFill>
                         <a:schemeClr val="tx1"/>
@@ -5019,12 +5019,12 @@
                     <a:p>
                       <a:pPr algn="ctr"/>
                       <a:r>
-                        <a:rPr lang="en-US" sz="1800" dirty="0"/>
+                        <a:rPr lang="en-US" sz="1200" dirty="0"/>
                         <a:t>15.3</a:t>
                       </a:r>
                     </a:p>
                   </a:txBody>
-                  <a:tcPr>
+                  <a:tcPr marL="51436" marR="51436" marT="25718" marB="25718" anchor="ctr">
                     <a:lnL w="12700" cap="flat" cmpd="sng" algn="ctr">
                       <a:solidFill>
                         <a:schemeClr val="tx1"/>
@@ -5075,7 +5075,7 @@
                   </a:ext>
                 </a:extLst>
               </a:tr>
-              <a:tr h="365760">
+              <a:tr h="222214">
                 <a:tc>
                   <a:txBody>
                     <a:bodyPr/>
@@ -5083,12 +5083,12 @@
                     <a:p>
                       <a:pPr algn="ctr"/>
                       <a:r>
-                        <a:rPr lang="en-US" sz="1800" dirty="0"/>
+                        <a:rPr lang="en-US" sz="1200" dirty="0"/>
                         <a:t>B</a:t>
                       </a:r>
                     </a:p>
                   </a:txBody>
-                  <a:tcPr>
+                  <a:tcPr marL="51436" marR="51436" marT="25718" marB="25718" anchor="ctr">
                     <a:lnL w="12700" cap="flat" cmpd="sng" algn="ctr">
                       <a:solidFill>
                         <a:schemeClr val="tx1"/>
@@ -5140,12 +5140,12 @@
                     <a:p>
                       <a:pPr algn="ctr"/>
                       <a:r>
-                        <a:rPr lang="en-US" sz="1800" dirty="0"/>
+                        <a:rPr lang="en-US" sz="1200" dirty="0"/>
                         <a:t>2</a:t>
                       </a:r>
                     </a:p>
                   </a:txBody>
-                  <a:tcPr>
+                  <a:tcPr marL="51436" marR="51436" marT="25718" marB="25718" anchor="ctr">
                     <a:lnL w="12700" cap="flat" cmpd="sng" algn="ctr">
                       <a:solidFill>
                         <a:schemeClr val="tx1"/>
@@ -5197,12 +5197,12 @@
                     <a:p>
                       <a:pPr algn="ctr"/>
                       <a:r>
-                        <a:rPr lang="en-US" sz="1800" dirty="0"/>
+                        <a:rPr lang="en-US" sz="1200" dirty="0"/>
                         <a:t>2021</a:t>
                       </a:r>
                     </a:p>
                   </a:txBody>
-                  <a:tcPr>
+                  <a:tcPr marL="51436" marR="51436" marT="25718" marB="25718" anchor="ctr">
                     <a:lnL w="12700" cap="flat" cmpd="sng" algn="ctr">
                       <a:solidFill>
                         <a:schemeClr val="tx1"/>
@@ -5251,12 +5251,12 @@
                     <a:p>
                       <a:pPr algn="ctr"/>
                       <a:r>
-                        <a:rPr lang="en-US" sz="1800" dirty="0"/>
+                        <a:rPr lang="en-US" sz="1200" dirty="0"/>
                         <a:t>15.5</a:t>
                       </a:r>
                     </a:p>
                   </a:txBody>
-                  <a:tcPr>
+                  <a:tcPr marL="51436" marR="51436" marT="25718" marB="25718" anchor="ctr">
                     <a:lnL w="12700" cap="flat" cmpd="sng" algn="ctr">
                       <a:solidFill>
                         <a:schemeClr val="tx1"/>
@@ -5324,9 +5324,9 @@
           <p:nvPr/>
         </p:nvSpPr>
         <p:spPr>
-          <a:xfrm>
-            <a:off x="6096005" y="555389"/>
-            <a:ext cx="709613" cy="484632"/>
+          <a:xfrm rot="5400000">
+            <a:off x="5271785" y="1661019"/>
+            <a:ext cx="399158" cy="239660"/>
           </a:xfrm>
           <a:prstGeom prst="rightArrow">
             <a:avLst/>
@@ -5353,7 +5353,7 @@
           <a:lstStyle/>
           <a:p>
             <a:pPr algn="ctr"/>
-            <a:endParaRPr lang="en-US"/>
+            <a:endParaRPr lang="en-US" sz="900"/>
           </a:p>
         </p:txBody>
       </p:sp>
@@ -5371,8 +5371,8 @@
         </p:nvSpPr>
         <p:spPr>
           <a:xfrm>
-            <a:off x="1079498" y="2639631"/>
-            <a:ext cx="1282700" cy="228600"/>
+            <a:off x="662400" y="3450667"/>
+            <a:ext cx="878400" cy="127733"/>
           </a:xfrm>
           <a:prstGeom prst="rect">
             <a:avLst/>
@@ -5407,7 +5407,7 @@
           <a:lstStyle/>
           <a:p>
             <a:pPr algn="ctr"/>
-            <a:endParaRPr lang="en-US"/>
+            <a:endParaRPr lang="en-US" sz="1014"/>
           </a:p>
         </p:txBody>
       </p:sp>
@@ -5425,8 +5425,8 @@
         </p:nvSpPr>
         <p:spPr>
           <a:xfrm>
-            <a:off x="7099298" y="2667507"/>
-            <a:ext cx="1282700" cy="228600"/>
+            <a:off x="619200" y="1884838"/>
+            <a:ext cx="792000" cy="121913"/>
           </a:xfrm>
           <a:prstGeom prst="rect">
             <a:avLst/>
@@ -5461,7 +5461,7 @@
           <a:lstStyle/>
           <a:p>
             <a:pPr algn="ctr"/>
-            <a:endParaRPr lang="en-US"/>
+            <a:endParaRPr lang="en-US" sz="1014"/>
           </a:p>
         </p:txBody>
       </p:sp>
